--- a/Child/figures/ResearchFramework.pptx
+++ b/Child/figures/ResearchFramework.pptx
@@ -104,6 +104,11 @@
       </a:defRPr>
     </a:lvl9pPr>
   </p:defaultTextStyle>
+  <p:extLst>
+    <p:ext uri="{EFAFB233-063F-42B5-8137-9DF3F51BA10A}">
+      <p15:sldGuideLst xmlns:p15="http://schemas.microsoft.com/office/powerpoint/2012/main"/>
+    </p:ext>
+  </p:extLst>
 </p:presentation>
 </file>
 
@@ -238,7 +243,7 @@
           <a:p>
             <a:fld id="{7D06116F-14E0-43F4-8CA1-3B51DA2DDF94}" type="datetimeFigureOut">
               <a:rPr lang="fr-BE" smtClean="0"/>
-              <a:t>12-04-18</a:t>
+              <a:t>02-05-18</a:t>
             </a:fld>
             <a:endParaRPr lang="fr-BE"/>
           </a:p>
@@ -408,7 +413,7 @@
           <a:p>
             <a:fld id="{7D06116F-14E0-43F4-8CA1-3B51DA2DDF94}" type="datetimeFigureOut">
               <a:rPr lang="fr-BE" smtClean="0"/>
-              <a:t>12-04-18</a:t>
+              <a:t>02-05-18</a:t>
             </a:fld>
             <a:endParaRPr lang="fr-BE"/>
           </a:p>
@@ -588,7 +593,7 @@
           <a:p>
             <a:fld id="{7D06116F-14E0-43F4-8CA1-3B51DA2DDF94}" type="datetimeFigureOut">
               <a:rPr lang="fr-BE" smtClean="0"/>
-              <a:t>12-04-18</a:t>
+              <a:t>02-05-18</a:t>
             </a:fld>
             <a:endParaRPr lang="fr-BE"/>
           </a:p>
@@ -758,7 +763,7 @@
           <a:p>
             <a:fld id="{7D06116F-14E0-43F4-8CA1-3B51DA2DDF94}" type="datetimeFigureOut">
               <a:rPr lang="fr-BE" smtClean="0"/>
-              <a:t>12-04-18</a:t>
+              <a:t>02-05-18</a:t>
             </a:fld>
             <a:endParaRPr lang="fr-BE"/>
           </a:p>
@@ -1004,7 +1009,7 @@
           <a:p>
             <a:fld id="{7D06116F-14E0-43F4-8CA1-3B51DA2DDF94}" type="datetimeFigureOut">
               <a:rPr lang="fr-BE" smtClean="0"/>
-              <a:t>12-04-18</a:t>
+              <a:t>02-05-18</a:t>
             </a:fld>
             <a:endParaRPr lang="fr-BE"/>
           </a:p>
@@ -1236,7 +1241,7 @@
           <a:p>
             <a:fld id="{7D06116F-14E0-43F4-8CA1-3B51DA2DDF94}" type="datetimeFigureOut">
               <a:rPr lang="fr-BE" smtClean="0"/>
-              <a:t>12-04-18</a:t>
+              <a:t>02-05-18</a:t>
             </a:fld>
             <a:endParaRPr lang="fr-BE"/>
           </a:p>
@@ -1603,7 +1608,7 @@
           <a:p>
             <a:fld id="{7D06116F-14E0-43F4-8CA1-3B51DA2DDF94}" type="datetimeFigureOut">
               <a:rPr lang="fr-BE" smtClean="0"/>
-              <a:t>12-04-18</a:t>
+              <a:t>02-05-18</a:t>
             </a:fld>
             <a:endParaRPr lang="fr-BE"/>
           </a:p>
@@ -1721,7 +1726,7 @@
           <a:p>
             <a:fld id="{7D06116F-14E0-43F4-8CA1-3B51DA2DDF94}" type="datetimeFigureOut">
               <a:rPr lang="fr-BE" smtClean="0"/>
-              <a:t>12-04-18</a:t>
+              <a:t>02-05-18</a:t>
             </a:fld>
             <a:endParaRPr lang="fr-BE"/>
           </a:p>
@@ -1816,7 +1821,7 @@
           <a:p>
             <a:fld id="{7D06116F-14E0-43F4-8CA1-3B51DA2DDF94}" type="datetimeFigureOut">
               <a:rPr lang="fr-BE" smtClean="0"/>
-              <a:t>12-04-18</a:t>
+              <a:t>02-05-18</a:t>
             </a:fld>
             <a:endParaRPr lang="fr-BE"/>
           </a:p>
@@ -2093,7 +2098,7 @@
           <a:p>
             <a:fld id="{7D06116F-14E0-43F4-8CA1-3B51DA2DDF94}" type="datetimeFigureOut">
               <a:rPr lang="fr-BE" smtClean="0"/>
-              <a:t>12-04-18</a:t>
+              <a:t>02-05-18</a:t>
             </a:fld>
             <a:endParaRPr lang="fr-BE"/>
           </a:p>
@@ -2346,7 +2351,7 @@
           <a:p>
             <a:fld id="{7D06116F-14E0-43F4-8CA1-3B51DA2DDF94}" type="datetimeFigureOut">
               <a:rPr lang="fr-BE" smtClean="0"/>
-              <a:t>12-04-18</a:t>
+              <a:t>02-05-18</a:t>
             </a:fld>
             <a:endParaRPr lang="fr-BE"/>
           </a:p>
@@ -2559,7 +2564,7 @@
           <a:p>
             <a:fld id="{7D06116F-14E0-43F4-8CA1-3B51DA2DDF94}" type="datetimeFigureOut">
               <a:rPr lang="fr-BE" smtClean="0"/>
-              <a:t>12-04-18</a:t>
+              <a:t>02-05-18</a:t>
             </a:fld>
             <a:endParaRPr lang="fr-BE"/>
           </a:p>
@@ -3001,21 +3006,19 @@
             <a:pPr algn="ctr"/>
             <a:r>
               <a:rPr lang="en-US" sz="2400" b="1" dirty="0" smtClean="0"/>
-              <a:t>Output-based CEP</a:t>
-            </a:r>
+              <a:t>Outcome-based CEP</a:t>
+            </a:r>
+            <a:endParaRPr lang="en-US" sz="2400" b="1" dirty="0" smtClean="0"/>
           </a:p>
           <a:p>
             <a:pPr algn="ctr"/>
             <a:r>
               <a:rPr lang="en-US" sz="1600" dirty="0" smtClean="0"/>
-              <a:t>Energy Productivity</a:t>
-            </a:r>
-          </a:p>
-          <a:p>
-            <a:pPr algn="ctr"/>
+              <a:t>Carbon </a:t>
+            </a:r>
             <a:r>
               <a:rPr lang="en-US" sz="1600" dirty="0" smtClean="0"/>
-              <a:t>Carbon Productivity</a:t>
+              <a:t>Productivity</a:t>
             </a:r>
           </a:p>
           <a:p>
@@ -3071,14 +3074,22 @@
             <a:pPr algn="ctr"/>
             <a:r>
               <a:rPr lang="en-US" sz="2400" b="1" dirty="0" smtClean="0"/>
-              <a:t>Process-based CEP</a:t>
+              <a:t>Process-based </a:t>
+            </a:r>
+            <a:r>
+              <a:rPr lang="en-US" sz="2400" b="1" dirty="0" smtClean="0"/>
+              <a:t>CEP</a:t>
             </a:r>
           </a:p>
           <a:p>
             <a:pPr algn="ctr"/>
             <a:r>
               <a:rPr lang="en-US" sz="1600" dirty="0" smtClean="0"/>
-              <a:t>Sustainability Pay Link</a:t>
+              <a:t>Sustainability </a:t>
+            </a:r>
+            <a:r>
+              <a:rPr lang="en-US" sz="1600" dirty="0" smtClean="0"/>
+              <a:t>Pay Link</a:t>
             </a:r>
           </a:p>
           <a:p>
@@ -3137,66 +3148,25 @@
           </a:p>
           <a:p>
             <a:pPr algn="ctr"/>
-            <a:endParaRPr lang="en-US" sz="2400" b="1" dirty="0" smtClean="0"/>
+            <a:r>
+              <a:rPr lang="en-US" sz="2400" b="1" dirty="0" smtClean="0"/>
+              <a:t>CFP </a:t>
+            </a:r>
           </a:p>
           <a:p>
             <a:pPr algn="ctr"/>
-            <a:endParaRPr lang="en-US" sz="2400" b="1" dirty="0" smtClean="0"/>
+            <a:r>
+              <a:rPr lang="en-US" sz="1600" dirty="0" smtClean="0"/>
+              <a:t>Roa (short-term)</a:t>
+            </a:r>
           </a:p>
           <a:p>
             <a:pPr algn="ctr"/>
-            <a:endParaRPr lang="en-US" sz="2400" b="1" dirty="0" smtClean="0"/>
-          </a:p>
-          <a:p>
-            <a:pPr algn="ctr"/>
-            <a:endParaRPr lang="en-US" sz="2400" b="1" dirty="0" smtClean="0"/>
-          </a:p>
-          <a:p>
-            <a:pPr algn="ctr"/>
-            <a:r>
-              <a:rPr lang="en-US" sz="2400" b="1" dirty="0" smtClean="0"/>
-              <a:t>Short-term CFP</a:t>
-            </a:r>
-          </a:p>
-          <a:p>
-            <a:pPr algn="ctr"/>
-            <a:endParaRPr lang="en-US" sz="2400" b="1" dirty="0" smtClean="0"/>
-          </a:p>
-          <a:p>
-            <a:pPr algn="ctr"/>
-            <a:endParaRPr lang="en-US" sz="2000" b="1" dirty="0"/>
-          </a:p>
-          <a:p>
-            <a:pPr algn="ctr"/>
-            <a:r>
-              <a:rPr lang="en-US" sz="2400" b="1" dirty="0" smtClean="0"/>
-              <a:t>Long-term CFP</a:t>
+            <a:r>
+              <a:rPr lang="en-US" sz="1600" dirty="0" smtClean="0"/>
+              <a:t>Tobin’s Q (long-term)</a:t>
             </a:r>
             <a:endParaRPr lang="en-US" sz="1600" dirty="0" smtClean="0"/>
-          </a:p>
-          <a:p>
-            <a:pPr algn="ctr"/>
-            <a:endParaRPr lang="en-US" sz="2400" b="1" dirty="0" smtClean="0"/>
-          </a:p>
-          <a:p>
-            <a:pPr algn="ctr"/>
-            <a:endParaRPr lang="en-US" sz="2400" b="1" dirty="0" smtClean="0"/>
-          </a:p>
-          <a:p>
-            <a:pPr algn="ctr"/>
-            <a:endParaRPr lang="en-US" sz="2400" b="1" dirty="0" smtClean="0"/>
-          </a:p>
-          <a:p>
-            <a:pPr algn="ctr"/>
-            <a:endParaRPr lang="en-US" sz="1400" dirty="0" smtClean="0"/>
-          </a:p>
-          <a:p>
-            <a:pPr algn="ctr"/>
-            <a:endParaRPr lang="en-US" sz="1400" b="1" dirty="0" smtClean="0"/>
-          </a:p>
-          <a:p>
-            <a:pPr algn="ctr"/>
-            <a:endParaRPr lang="en-US" sz="1400" b="1" dirty="0" smtClean="0"/>
           </a:p>
           <a:p>
             <a:pPr algn="ctr"/>
@@ -3312,163 +3282,6 @@
           </a:fontRef>
         </p:style>
       </p:cxnSp>
-      <p:sp>
-        <p:nvSpPr>
-          <p:cNvPr id="13" name="ZoneTexte 12"/>
-          <p:cNvSpPr txBox="1"/>
-          <p:nvPr/>
-        </p:nvSpPr>
-        <p:spPr>
-          <a:xfrm>
-            <a:off x="2445913" y="2470498"/>
-            <a:ext cx="654675" cy="369332"/>
-          </a:xfrm>
-          <a:prstGeom prst="rect">
-            <a:avLst/>
-          </a:prstGeom>
-          <a:noFill/>
-        </p:spPr>
-        <p:txBody>
-          <a:bodyPr wrap="square" rtlCol="0">
-            <a:spAutoFit/>
-          </a:bodyPr>
-          <a:lstStyle/>
-          <a:p>
-            <a:pPr algn="ctr"/>
-            <a:r>
-              <a:rPr lang="fr-BE" b="1" dirty="0" smtClean="0"/>
-              <a:t>H1</a:t>
-            </a:r>
-            <a:endParaRPr lang="fr-BE" b="1" dirty="0"/>
-          </a:p>
-        </p:txBody>
-      </p:sp>
-      <p:sp>
-        <p:nvSpPr>
-          <p:cNvPr id="14" name="ZoneTexte 13"/>
-          <p:cNvSpPr txBox="1"/>
-          <p:nvPr/>
-        </p:nvSpPr>
-        <p:spPr>
-          <a:xfrm>
-            <a:off x="9051701" y="2470498"/>
-            <a:ext cx="654675" cy="369332"/>
-          </a:xfrm>
-          <a:prstGeom prst="rect">
-            <a:avLst/>
-          </a:prstGeom>
-          <a:noFill/>
-        </p:spPr>
-        <p:txBody>
-          <a:bodyPr wrap="square" rtlCol="0">
-            <a:spAutoFit/>
-          </a:bodyPr>
-          <a:lstStyle/>
-          <a:p>
-            <a:pPr algn="ctr"/>
-            <a:r>
-              <a:rPr lang="fr-BE" b="1" dirty="0" smtClean="0"/>
-              <a:t>H2</a:t>
-            </a:r>
-            <a:endParaRPr lang="fr-BE" b="1" dirty="0"/>
-          </a:p>
-        </p:txBody>
-      </p:sp>
-      <p:sp>
-        <p:nvSpPr>
-          <p:cNvPr id="15" name="ZoneTexte 14"/>
-          <p:cNvSpPr txBox="1"/>
-          <p:nvPr/>
-        </p:nvSpPr>
-        <p:spPr>
-          <a:xfrm>
-            <a:off x="5768661" y="5133410"/>
-            <a:ext cx="654675" cy="369332"/>
-          </a:xfrm>
-          <a:prstGeom prst="rect">
-            <a:avLst/>
-          </a:prstGeom>
-          <a:noFill/>
-        </p:spPr>
-        <p:txBody>
-          <a:bodyPr wrap="square" rtlCol="0">
-            <a:spAutoFit/>
-          </a:bodyPr>
-          <a:lstStyle/>
-          <a:p>
-            <a:pPr algn="ctr"/>
-            <a:r>
-              <a:rPr lang="fr-BE" b="1" dirty="0" smtClean="0"/>
-              <a:t>H3</a:t>
-            </a:r>
-            <a:endParaRPr lang="fr-BE" b="1" dirty="0"/>
-          </a:p>
-        </p:txBody>
-      </p:sp>
-      <p:cxnSp>
-        <p:nvCxnSpPr>
-          <p:cNvPr id="76" name="Connecteur droit avec flèche 75"/>
-          <p:cNvCxnSpPr/>
-          <p:nvPr/>
-        </p:nvCxnSpPr>
-        <p:spPr>
-          <a:xfrm>
-            <a:off x="10621848" y="4805448"/>
-            <a:ext cx="0" cy="512628"/>
-          </a:xfrm>
-          <a:prstGeom prst="straightConnector1">
-            <a:avLst/>
-          </a:prstGeom>
-          <a:ln>
-            <a:tailEnd type="triangle"/>
-          </a:ln>
-        </p:spPr>
-        <p:style>
-          <a:lnRef idx="1">
-            <a:schemeClr val="dk1"/>
-          </a:lnRef>
-          <a:fillRef idx="0">
-            <a:schemeClr val="dk1"/>
-          </a:fillRef>
-          <a:effectRef idx="0">
-            <a:schemeClr val="dk1"/>
-          </a:effectRef>
-          <a:fontRef idx="minor">
-            <a:schemeClr val="tx1"/>
-          </a:fontRef>
-        </p:style>
-      </p:cxnSp>
-      <p:sp>
-        <p:nvSpPr>
-          <p:cNvPr id="77" name="ZoneTexte 76"/>
-          <p:cNvSpPr txBox="1"/>
-          <p:nvPr/>
-        </p:nvSpPr>
-        <p:spPr>
-          <a:xfrm>
-            <a:off x="10999091" y="4692430"/>
-            <a:ext cx="654675" cy="369332"/>
-          </a:xfrm>
-          <a:prstGeom prst="rect">
-            <a:avLst/>
-          </a:prstGeom>
-          <a:noFill/>
-        </p:spPr>
-        <p:txBody>
-          <a:bodyPr wrap="square" rtlCol="0">
-            <a:spAutoFit/>
-          </a:bodyPr>
-          <a:lstStyle/>
-          <a:p>
-            <a:pPr algn="ctr"/>
-            <a:r>
-              <a:rPr lang="fr-BE" b="1" dirty="0" smtClean="0"/>
-              <a:t>H4</a:t>
-            </a:r>
-            <a:endParaRPr lang="fr-BE" b="1" dirty="0"/>
-          </a:p>
-        </p:txBody>
-      </p:sp>
     </p:spTree>
     <p:extLst>
       <p:ext uri="{BB962C8B-B14F-4D97-AF65-F5344CB8AC3E}">

--- a/Child/figures/ResearchFramework.pptx
+++ b/Child/figures/ResearchFramework.pptx
@@ -243,7 +243,7 @@
           <a:p>
             <a:fld id="{7D06116F-14E0-43F4-8CA1-3B51DA2DDF94}" type="datetimeFigureOut">
               <a:rPr lang="fr-BE" smtClean="0"/>
-              <a:t>02-05-18</a:t>
+              <a:t>03-05-18</a:t>
             </a:fld>
             <a:endParaRPr lang="fr-BE"/>
           </a:p>
@@ -413,7 +413,7 @@
           <a:p>
             <a:fld id="{7D06116F-14E0-43F4-8CA1-3B51DA2DDF94}" type="datetimeFigureOut">
               <a:rPr lang="fr-BE" smtClean="0"/>
-              <a:t>02-05-18</a:t>
+              <a:t>03-05-18</a:t>
             </a:fld>
             <a:endParaRPr lang="fr-BE"/>
           </a:p>
@@ -593,7 +593,7 @@
           <a:p>
             <a:fld id="{7D06116F-14E0-43F4-8CA1-3B51DA2DDF94}" type="datetimeFigureOut">
               <a:rPr lang="fr-BE" smtClean="0"/>
-              <a:t>02-05-18</a:t>
+              <a:t>03-05-18</a:t>
             </a:fld>
             <a:endParaRPr lang="fr-BE"/>
           </a:p>
@@ -763,7 +763,7 @@
           <a:p>
             <a:fld id="{7D06116F-14E0-43F4-8CA1-3B51DA2DDF94}" type="datetimeFigureOut">
               <a:rPr lang="fr-BE" smtClean="0"/>
-              <a:t>02-05-18</a:t>
+              <a:t>03-05-18</a:t>
             </a:fld>
             <a:endParaRPr lang="fr-BE"/>
           </a:p>
@@ -1009,7 +1009,7 @@
           <a:p>
             <a:fld id="{7D06116F-14E0-43F4-8CA1-3B51DA2DDF94}" type="datetimeFigureOut">
               <a:rPr lang="fr-BE" smtClean="0"/>
-              <a:t>02-05-18</a:t>
+              <a:t>03-05-18</a:t>
             </a:fld>
             <a:endParaRPr lang="fr-BE"/>
           </a:p>
@@ -1241,7 +1241,7 @@
           <a:p>
             <a:fld id="{7D06116F-14E0-43F4-8CA1-3B51DA2DDF94}" type="datetimeFigureOut">
               <a:rPr lang="fr-BE" smtClean="0"/>
-              <a:t>02-05-18</a:t>
+              <a:t>03-05-18</a:t>
             </a:fld>
             <a:endParaRPr lang="fr-BE"/>
           </a:p>
@@ -1608,7 +1608,7 @@
           <a:p>
             <a:fld id="{7D06116F-14E0-43F4-8CA1-3B51DA2DDF94}" type="datetimeFigureOut">
               <a:rPr lang="fr-BE" smtClean="0"/>
-              <a:t>02-05-18</a:t>
+              <a:t>03-05-18</a:t>
             </a:fld>
             <a:endParaRPr lang="fr-BE"/>
           </a:p>
@@ -1726,7 +1726,7 @@
           <a:p>
             <a:fld id="{7D06116F-14E0-43F4-8CA1-3B51DA2DDF94}" type="datetimeFigureOut">
               <a:rPr lang="fr-BE" smtClean="0"/>
-              <a:t>02-05-18</a:t>
+              <a:t>03-05-18</a:t>
             </a:fld>
             <a:endParaRPr lang="fr-BE"/>
           </a:p>
@@ -1821,7 +1821,7 @@
           <a:p>
             <a:fld id="{7D06116F-14E0-43F4-8CA1-3B51DA2DDF94}" type="datetimeFigureOut">
               <a:rPr lang="fr-BE" smtClean="0"/>
-              <a:t>02-05-18</a:t>
+              <a:t>03-05-18</a:t>
             </a:fld>
             <a:endParaRPr lang="fr-BE"/>
           </a:p>
@@ -2098,7 +2098,7 @@
           <a:p>
             <a:fld id="{7D06116F-14E0-43F4-8CA1-3B51DA2DDF94}" type="datetimeFigureOut">
               <a:rPr lang="fr-BE" smtClean="0"/>
-              <a:t>02-05-18</a:t>
+              <a:t>03-05-18</a:t>
             </a:fld>
             <a:endParaRPr lang="fr-BE"/>
           </a:p>
@@ -2351,7 +2351,7 @@
           <a:p>
             <a:fld id="{7D06116F-14E0-43F4-8CA1-3B51DA2DDF94}" type="datetimeFigureOut">
               <a:rPr lang="fr-BE" smtClean="0"/>
-              <a:t>02-05-18</a:t>
+              <a:t>03-05-18</a:t>
             </a:fld>
             <a:endParaRPr lang="fr-BE"/>
           </a:p>
@@ -2564,7 +2564,7 @@
           <a:p>
             <a:fld id="{7D06116F-14E0-43F4-8CA1-3B51DA2DDF94}" type="datetimeFigureOut">
               <a:rPr lang="fr-BE" smtClean="0"/>
-              <a:t>02-05-18</a:t>
+              <a:t>03-05-18</a:t>
             </a:fld>
             <a:endParaRPr lang="fr-BE"/>
           </a:p>
@@ -3008,17 +3008,12 @@
               <a:rPr lang="en-US" sz="2400" b="1" dirty="0" smtClean="0"/>
               <a:t>Outcome-based CEP</a:t>
             </a:r>
-            <a:endParaRPr lang="en-US" sz="2400" b="1" dirty="0" smtClean="0"/>
           </a:p>
           <a:p>
             <a:pPr algn="ctr"/>
             <a:r>
               <a:rPr lang="en-US" sz="1600" dirty="0" smtClean="0"/>
-              <a:t>Carbon </a:t>
-            </a:r>
-            <a:r>
-              <a:rPr lang="en-US" sz="1600" dirty="0" smtClean="0"/>
-              <a:t>Productivity</a:t>
+              <a:t>Carbon Productivity</a:t>
             </a:r>
           </a:p>
           <a:p>
@@ -3074,22 +3069,14 @@
             <a:pPr algn="ctr"/>
             <a:r>
               <a:rPr lang="en-US" sz="2400" b="1" dirty="0" smtClean="0"/>
-              <a:t>Process-based </a:t>
-            </a:r>
-            <a:r>
-              <a:rPr lang="en-US" sz="2400" b="1" dirty="0" smtClean="0"/>
-              <a:t>CEP</a:t>
+              <a:t>Process-based CEP</a:t>
             </a:r>
           </a:p>
           <a:p>
             <a:pPr algn="ctr"/>
             <a:r>
               <a:rPr lang="en-US" sz="1600" dirty="0" smtClean="0"/>
-              <a:t>Sustainability </a:t>
-            </a:r>
-            <a:r>
-              <a:rPr lang="en-US" sz="1600" dirty="0" smtClean="0"/>
-              <a:t>Pay Link</a:t>
+              <a:t>Sustainability Pay Link</a:t>
             </a:r>
           </a:p>
           <a:p>
@@ -3166,7 +3153,6 @@
               <a:rPr lang="en-US" sz="1600" dirty="0" smtClean="0"/>
               <a:t>Tobin’s Q (long-term)</a:t>
             </a:r>
-            <a:endParaRPr lang="en-US" sz="1600" dirty="0" smtClean="0"/>
           </a:p>
           <a:p>
             <a:pPr algn="ctr"/>
@@ -3282,6 +3268,99 @@
           </a:fontRef>
         </p:style>
       </p:cxnSp>
+      <p:sp>
+        <p:nvSpPr>
+          <p:cNvPr id="2" name="ZoneTexte 1"/>
+          <p:cNvSpPr txBox="1"/>
+          <p:nvPr/>
+        </p:nvSpPr>
+        <p:spPr>
+          <a:xfrm>
+            <a:off x="2108378" y="2608997"/>
+            <a:ext cx="991673" cy="461665"/>
+          </a:xfrm>
+          <a:prstGeom prst="rect">
+            <a:avLst/>
+          </a:prstGeom>
+          <a:noFill/>
+        </p:spPr>
+        <p:txBody>
+          <a:bodyPr wrap="square" rtlCol="0">
+            <a:spAutoFit/>
+          </a:bodyPr>
+          <a:lstStyle/>
+          <a:p>
+            <a:pPr algn="ctr"/>
+            <a:r>
+              <a:rPr lang="fr-BE" sz="2400" b="1" dirty="0" smtClean="0"/>
+              <a:t>+</a:t>
+            </a:r>
+            <a:endParaRPr lang="fr-BE" sz="2400" b="1" dirty="0"/>
+          </a:p>
+        </p:txBody>
+      </p:sp>
+      <p:sp>
+        <p:nvSpPr>
+          <p:cNvPr id="9" name="ZoneTexte 8"/>
+          <p:cNvSpPr txBox="1"/>
+          <p:nvPr/>
+        </p:nvSpPr>
+        <p:spPr>
+          <a:xfrm>
+            <a:off x="9079606" y="2608997"/>
+            <a:ext cx="991673" cy="461665"/>
+          </a:xfrm>
+          <a:prstGeom prst="rect">
+            <a:avLst/>
+          </a:prstGeom>
+          <a:noFill/>
+        </p:spPr>
+        <p:txBody>
+          <a:bodyPr wrap="square" rtlCol="0">
+            <a:spAutoFit/>
+          </a:bodyPr>
+          <a:lstStyle/>
+          <a:p>
+            <a:pPr algn="ctr"/>
+            <a:r>
+              <a:rPr lang="fr-BE" sz="2400" b="1" dirty="0" smtClean="0"/>
+              <a:t>+</a:t>
+            </a:r>
+            <a:endParaRPr lang="fr-BE" sz="2400" b="1" dirty="0"/>
+          </a:p>
+        </p:txBody>
+      </p:sp>
+      <p:sp>
+        <p:nvSpPr>
+          <p:cNvPr id="11" name="ZoneTexte 10"/>
+          <p:cNvSpPr txBox="1"/>
+          <p:nvPr/>
+        </p:nvSpPr>
+        <p:spPr>
+          <a:xfrm>
+            <a:off x="5587819" y="5192779"/>
+            <a:ext cx="991673" cy="461665"/>
+          </a:xfrm>
+          <a:prstGeom prst="rect">
+            <a:avLst/>
+          </a:prstGeom>
+          <a:noFill/>
+        </p:spPr>
+        <p:txBody>
+          <a:bodyPr wrap="square" rtlCol="0">
+            <a:spAutoFit/>
+          </a:bodyPr>
+          <a:lstStyle/>
+          <a:p>
+            <a:pPr algn="ctr"/>
+            <a:r>
+              <a:rPr lang="fr-BE" sz="2400" b="1" dirty="0" smtClean="0"/>
+              <a:t>+</a:t>
+            </a:r>
+            <a:endParaRPr lang="fr-BE" sz="2400" b="1" dirty="0"/>
+          </a:p>
+        </p:txBody>
+      </p:sp>
     </p:spTree>
     <p:extLst>
       <p:ext uri="{BB962C8B-B14F-4D97-AF65-F5344CB8AC3E}">

--- a/Child/figures/ResearchFramework.pptx
+++ b/Child/figures/ResearchFramework.pptx
@@ -243,7 +243,7 @@
           <a:p>
             <a:fld id="{7D06116F-14E0-43F4-8CA1-3B51DA2DDF94}" type="datetimeFigureOut">
               <a:rPr lang="fr-BE" smtClean="0"/>
-              <a:t>03-05-18</a:t>
+              <a:t>31-05-18</a:t>
             </a:fld>
             <a:endParaRPr lang="fr-BE"/>
           </a:p>
@@ -413,7 +413,7 @@
           <a:p>
             <a:fld id="{7D06116F-14E0-43F4-8CA1-3B51DA2DDF94}" type="datetimeFigureOut">
               <a:rPr lang="fr-BE" smtClean="0"/>
-              <a:t>03-05-18</a:t>
+              <a:t>31-05-18</a:t>
             </a:fld>
             <a:endParaRPr lang="fr-BE"/>
           </a:p>
@@ -593,7 +593,7 @@
           <a:p>
             <a:fld id="{7D06116F-14E0-43F4-8CA1-3B51DA2DDF94}" type="datetimeFigureOut">
               <a:rPr lang="fr-BE" smtClean="0"/>
-              <a:t>03-05-18</a:t>
+              <a:t>31-05-18</a:t>
             </a:fld>
             <a:endParaRPr lang="fr-BE"/>
           </a:p>
@@ -763,7 +763,7 @@
           <a:p>
             <a:fld id="{7D06116F-14E0-43F4-8CA1-3B51DA2DDF94}" type="datetimeFigureOut">
               <a:rPr lang="fr-BE" smtClean="0"/>
-              <a:t>03-05-18</a:t>
+              <a:t>31-05-18</a:t>
             </a:fld>
             <a:endParaRPr lang="fr-BE"/>
           </a:p>
@@ -1009,7 +1009,7 @@
           <a:p>
             <a:fld id="{7D06116F-14E0-43F4-8CA1-3B51DA2DDF94}" type="datetimeFigureOut">
               <a:rPr lang="fr-BE" smtClean="0"/>
-              <a:t>03-05-18</a:t>
+              <a:t>31-05-18</a:t>
             </a:fld>
             <a:endParaRPr lang="fr-BE"/>
           </a:p>
@@ -1241,7 +1241,7 @@
           <a:p>
             <a:fld id="{7D06116F-14E0-43F4-8CA1-3B51DA2DDF94}" type="datetimeFigureOut">
               <a:rPr lang="fr-BE" smtClean="0"/>
-              <a:t>03-05-18</a:t>
+              <a:t>31-05-18</a:t>
             </a:fld>
             <a:endParaRPr lang="fr-BE"/>
           </a:p>
@@ -1608,7 +1608,7 @@
           <a:p>
             <a:fld id="{7D06116F-14E0-43F4-8CA1-3B51DA2DDF94}" type="datetimeFigureOut">
               <a:rPr lang="fr-BE" smtClean="0"/>
-              <a:t>03-05-18</a:t>
+              <a:t>31-05-18</a:t>
             </a:fld>
             <a:endParaRPr lang="fr-BE"/>
           </a:p>
@@ -1726,7 +1726,7 @@
           <a:p>
             <a:fld id="{7D06116F-14E0-43F4-8CA1-3B51DA2DDF94}" type="datetimeFigureOut">
               <a:rPr lang="fr-BE" smtClean="0"/>
-              <a:t>03-05-18</a:t>
+              <a:t>31-05-18</a:t>
             </a:fld>
             <a:endParaRPr lang="fr-BE"/>
           </a:p>
@@ -1821,7 +1821,7 @@
           <a:p>
             <a:fld id="{7D06116F-14E0-43F4-8CA1-3B51DA2DDF94}" type="datetimeFigureOut">
               <a:rPr lang="fr-BE" smtClean="0"/>
-              <a:t>03-05-18</a:t>
+              <a:t>31-05-18</a:t>
             </a:fld>
             <a:endParaRPr lang="fr-BE"/>
           </a:p>
@@ -2098,7 +2098,7 @@
           <a:p>
             <a:fld id="{7D06116F-14E0-43F4-8CA1-3B51DA2DDF94}" type="datetimeFigureOut">
               <a:rPr lang="fr-BE" smtClean="0"/>
-              <a:t>03-05-18</a:t>
+              <a:t>31-05-18</a:t>
             </a:fld>
             <a:endParaRPr lang="fr-BE"/>
           </a:p>
@@ -2351,7 +2351,7 @@
           <a:p>
             <a:fld id="{7D06116F-14E0-43F4-8CA1-3B51DA2DDF94}" type="datetimeFigureOut">
               <a:rPr lang="fr-BE" smtClean="0"/>
-              <a:t>03-05-18</a:t>
+              <a:t>31-05-18</a:t>
             </a:fld>
             <a:endParaRPr lang="fr-BE"/>
           </a:p>
@@ -2564,7 +2564,7 @@
           <a:p>
             <a:fld id="{7D06116F-14E0-43F4-8CA1-3B51DA2DDF94}" type="datetimeFigureOut">
               <a:rPr lang="fr-BE" smtClean="0"/>
-              <a:t>03-05-18</a:t>
+              <a:t>31-05-18</a:t>
             </a:fld>
             <a:endParaRPr lang="fr-BE"/>
           </a:p>
@@ -3090,7 +3090,7 @@
             <a:pPr algn="ctr"/>
             <a:r>
               <a:rPr lang="en-US" sz="1600" dirty="0" smtClean="0"/>
-              <a:t>Audit</a:t>
+              <a:t>Audit Score</a:t>
             </a:r>
             <a:endParaRPr lang="en-US" sz="1400" dirty="0"/>
           </a:p>
